--- a/Entity Fundamentals Using .NET 6_COV.pptx
+++ b/Entity Fundamentals Using .NET 6_COV.pptx
@@ -5,18 +5,17 @@
     <p:sldMasterId id="2147483737" r:id="rId1"/>
   </p:sldMasterIdLst>
   <p:notesMasterIdLst>
-    <p:notesMasterId r:id="rId8"/>
+    <p:notesMasterId r:id="rId7"/>
   </p:notesMasterIdLst>
   <p:handoutMasterIdLst>
-    <p:handoutMasterId r:id="rId9"/>
+    <p:handoutMasterId r:id="rId8"/>
   </p:handoutMasterIdLst>
   <p:sldIdLst>
     <p:sldId id="1377" r:id="rId2"/>
     <p:sldId id="1378" r:id="rId3"/>
     <p:sldId id="1379" r:id="rId4"/>
     <p:sldId id="1203" r:id="rId5"/>
-    <p:sldId id="1376" r:id="rId6"/>
-    <p:sldId id="1369" r:id="rId7"/>
+    <p:sldId id="1369" r:id="rId6"/>
   </p:sldIdLst>
   <p:sldSz cx="9144000" cy="5143500" type="screen16x9"/>
   <p:notesSz cx="6858000" cy="9144000"/>
@@ -208,7 +207,7 @@
           <a:p>
             <a:fld id="{39C05CB7-7154-42F2-8D93-1E20B1508952}" type="datetimeFigureOut">
               <a:rPr lang="en-US" smtClean="0"/>
-              <a:t>3/2/2022</a:t>
+              <a:t>6/19/2022</a:t>
             </a:fld>
             <a:endParaRPr lang="en-US"/>
           </a:p>
@@ -373,7 +372,7 @@
           <a:p>
             <a:fld id="{8E1E840F-9B2B-44B5-896B-5B857B514EB5}" type="datetimeFigureOut">
               <a:rPr lang="en-US" smtClean="0"/>
-              <a:t>3/2/2022</a:t>
+              <a:t>6/19/2022</a:t>
             </a:fld>
             <a:endParaRPr lang="en-US"/>
           </a:p>
@@ -2114,8 +2113,8 @@
         </p:nvSpPr>
         <p:spPr>
           <a:xfrm>
-            <a:off x="1605279" y="1964596"/>
-            <a:ext cx="5999014" cy="1107996"/>
+            <a:off x="1605279" y="1346479"/>
+            <a:ext cx="5999014" cy="2344231"/>
           </a:xfrm>
           <a:prstGeom prst="rect">
             <a:avLst/>
@@ -2303,7 +2302,21 @@
               <a:rPr lang="en-US" sz="3600" b="1" dirty="0">
                 <a:latin typeface="+mj-lt"/>
               </a:rPr>
-              <a:t>Entity Fundamentals Using .NET 6</a:t>
+              <a:t>.NET Core 6 Entity Framework :</a:t>
+            </a:r>
+          </a:p>
+          <a:p>
+            <a:pPr marL="0" indent="0" algn="ctr">
+              <a:lnSpc>
+                <a:spcPct val="100000"/>
+              </a:lnSpc>
+              <a:buNone/>
+            </a:pPr>
+            <a:r>
+              <a:rPr lang="en-US" sz="3600" b="1" dirty="0">
+                <a:latin typeface="+mj-lt"/>
+              </a:rPr>
+              <a:t>How-To Guide for Professionals</a:t>
             </a:r>
             <a:endParaRPr lang="en-US" sz="1200" dirty="0">
               <a:latin typeface="+mn-lt"/>
@@ -3179,7 +3192,7 @@
         </p:blipFill>
         <p:spPr>
           <a:xfrm>
-            <a:off x="1" y="2"/>
+            <a:off x="1" y="-64220"/>
             <a:ext cx="9143999" cy="5143499"/>
           </a:xfrm>
         </p:spPr>
@@ -3239,7 +3252,7 @@
         <p:spPr bwMode="auto">
           <a:xfrm>
             <a:off x="888759" y="1898739"/>
-            <a:ext cx="7366482" cy="1844254"/>
+            <a:ext cx="7371423" cy="1844254"/>
           </a:xfrm>
           <a:custGeom>
             <a:avLst/>
@@ -4010,7 +4023,7 @@
           </a:bodyPr>
           <a:lstStyle/>
           <a:p>
-            <a:endParaRPr lang="en-US"/>
+            <a:endParaRPr lang="en-US" dirty="0"/>
           </a:p>
         </p:txBody>
       </p:sp>
@@ -6335,401 +6348,6 @@
                     <a:pt x="3" y="49"/>
                     <a:pt x="0" y="53"/>
                     <a:pt x="0" y="57"/>
-                  </a:cubicBezTo>
-                  <a:close/>
-                </a:path>
-              </a:pathLst>
-            </a:custGeom>
-            <a:solidFill>
-              <a:srgbClr val="FFFFFF"/>
-            </a:solidFill>
-            <a:ln>
-              <a:noFill/>
-            </a:ln>
-            <a:extLst>
-              <a:ext uri="{91240B29-F687-4F45-9708-019B960494DF}">
-                <a14:hiddenLine xmlns:a14="http://schemas.microsoft.com/office/drawing/2010/main" w="9525">
-                  <a:solidFill>
-                    <a:srgbClr val="000000"/>
-                  </a:solidFill>
-                  <a:round/>
-                  <a:headEnd/>
-                  <a:tailEnd/>
-                </a14:hiddenLine>
-              </a:ext>
-            </a:extLst>
-          </p:spPr>
-          <p:txBody>
-            <a:bodyPr vert="horz" wrap="square" lIns="91440" tIns="45720" rIns="91440" bIns="45720" numCol="1" anchor="t" anchorCtr="0" compatLnSpc="1">
-              <a:prstTxWarp prst="textNoShape">
-                <a:avLst/>
-              </a:prstTxWarp>
-            </a:bodyPr>
-            <a:lstStyle/>
-            <a:p>
-              <a:endParaRPr lang="en-US"/>
-            </a:p>
-          </p:txBody>
-        </p:sp>
-      </p:grpSp>
-      <p:grpSp>
-        <p:nvGrpSpPr>
-          <p:cNvPr id="30" name="Group 29">
-            <a:extLst>
-              <a:ext uri="{FF2B5EF4-FFF2-40B4-BE49-F238E27FC236}">
-                <a16:creationId xmlns:a16="http://schemas.microsoft.com/office/drawing/2014/main" id="{EC09A75F-D952-46C3-8133-7055280A64B7}"/>
-              </a:ext>
-            </a:extLst>
-          </p:cNvPr>
-          <p:cNvGrpSpPr/>
-          <p:nvPr/>
-        </p:nvGrpSpPr>
-        <p:grpSpPr>
-          <a:xfrm>
-            <a:off x="7190841" y="1961531"/>
-            <a:ext cx="1013463" cy="1157489"/>
-            <a:chOff x="6937375" y="2033589"/>
-            <a:chExt cx="915988" cy="1046163"/>
-          </a:xfrm>
-        </p:grpSpPr>
-        <p:sp>
-          <p:nvSpPr>
-            <p:cNvPr id="31" name="Freeform 129">
-              <a:extLst>
-                <a:ext uri="{FF2B5EF4-FFF2-40B4-BE49-F238E27FC236}">
-                  <a16:creationId xmlns:a16="http://schemas.microsoft.com/office/drawing/2014/main" id="{39779A21-CBF8-4812-8665-1B2DEF3CAC0C}"/>
-                </a:ext>
-              </a:extLst>
-            </p:cNvPr>
-            <p:cNvSpPr>
-              <a:spLocks/>
-            </p:cNvSpPr>
-            <p:nvPr/>
-          </p:nvSpPr>
-          <p:spPr bwMode="auto">
-            <a:xfrm>
-              <a:off x="6937375" y="2033589"/>
-              <a:ext cx="915988" cy="1046163"/>
-            </a:xfrm>
-            <a:custGeom>
-              <a:avLst/>
-              <a:gdLst>
-                <a:gd name="T0" fmla="*/ 244 w 244"/>
-                <a:gd name="T1" fmla="*/ 200 h 278"/>
-                <a:gd name="T2" fmla="*/ 244 w 244"/>
-                <a:gd name="T3" fmla="*/ 78 h 278"/>
-                <a:gd name="T4" fmla="*/ 236 w 244"/>
-                <a:gd name="T5" fmla="*/ 63 h 278"/>
-                <a:gd name="T6" fmla="*/ 131 w 244"/>
-                <a:gd name="T7" fmla="*/ 3 h 278"/>
-                <a:gd name="T8" fmla="*/ 113 w 244"/>
-                <a:gd name="T9" fmla="*/ 3 h 278"/>
-                <a:gd name="T10" fmla="*/ 8 w 244"/>
-                <a:gd name="T11" fmla="*/ 63 h 278"/>
-                <a:gd name="T12" fmla="*/ 0 w 244"/>
-                <a:gd name="T13" fmla="*/ 78 h 278"/>
-                <a:gd name="T14" fmla="*/ 0 w 244"/>
-                <a:gd name="T15" fmla="*/ 200 h 278"/>
-                <a:gd name="T16" fmla="*/ 8 w 244"/>
-                <a:gd name="T17" fmla="*/ 215 h 278"/>
-                <a:gd name="T18" fmla="*/ 113 w 244"/>
-                <a:gd name="T19" fmla="*/ 275 h 278"/>
-                <a:gd name="T20" fmla="*/ 131 w 244"/>
-                <a:gd name="T21" fmla="*/ 275 h 278"/>
-                <a:gd name="T22" fmla="*/ 236 w 244"/>
-                <a:gd name="T23" fmla="*/ 215 h 278"/>
-                <a:gd name="T24" fmla="*/ 244 w 244"/>
-                <a:gd name="T25" fmla="*/ 200 h 278"/>
-              </a:gdLst>
-              <a:ahLst/>
-              <a:cxnLst>
-                <a:cxn ang="0">
-                  <a:pos x="T0" y="T1"/>
-                </a:cxn>
-                <a:cxn ang="0">
-                  <a:pos x="T2" y="T3"/>
-                </a:cxn>
-                <a:cxn ang="0">
-                  <a:pos x="T4" y="T5"/>
-                </a:cxn>
-                <a:cxn ang="0">
-                  <a:pos x="T6" y="T7"/>
-                </a:cxn>
-                <a:cxn ang="0">
-                  <a:pos x="T8" y="T9"/>
-                </a:cxn>
-                <a:cxn ang="0">
-                  <a:pos x="T10" y="T11"/>
-                </a:cxn>
-                <a:cxn ang="0">
-                  <a:pos x="T12" y="T13"/>
-                </a:cxn>
-                <a:cxn ang="0">
-                  <a:pos x="T14" y="T15"/>
-                </a:cxn>
-                <a:cxn ang="0">
-                  <a:pos x="T16" y="T17"/>
-                </a:cxn>
-                <a:cxn ang="0">
-                  <a:pos x="T18" y="T19"/>
-                </a:cxn>
-                <a:cxn ang="0">
-                  <a:pos x="T20" y="T21"/>
-                </a:cxn>
-                <a:cxn ang="0">
-                  <a:pos x="T22" y="T23"/>
-                </a:cxn>
-                <a:cxn ang="0">
-                  <a:pos x="T24" y="T25"/>
-                </a:cxn>
-              </a:cxnLst>
-              <a:rect l="0" t="0" r="r" b="b"/>
-              <a:pathLst>
-                <a:path w="244" h="278">
-                  <a:moveTo>
-                    <a:pt x="244" y="200"/>
-                  </a:moveTo>
-                  <a:cubicBezTo>
-                    <a:pt x="244" y="78"/>
-                    <a:pt x="244" y="78"/>
-                    <a:pt x="244" y="78"/>
-                  </a:cubicBezTo>
-                  <a:cubicBezTo>
-                    <a:pt x="244" y="72"/>
-                    <a:pt x="241" y="66"/>
-                    <a:pt x="236" y="63"/>
-                  </a:cubicBezTo>
-                  <a:cubicBezTo>
-                    <a:pt x="131" y="3"/>
-                    <a:pt x="131" y="3"/>
-                    <a:pt x="131" y="3"/>
-                  </a:cubicBezTo>
-                  <a:cubicBezTo>
-                    <a:pt x="125" y="0"/>
-                    <a:pt x="119" y="0"/>
-                    <a:pt x="113" y="3"/>
-                  </a:cubicBezTo>
-                  <a:cubicBezTo>
-                    <a:pt x="8" y="63"/>
-                    <a:pt x="8" y="63"/>
-                    <a:pt x="8" y="63"/>
-                  </a:cubicBezTo>
-                  <a:cubicBezTo>
-                    <a:pt x="3" y="66"/>
-                    <a:pt x="0" y="72"/>
-                    <a:pt x="0" y="78"/>
-                  </a:cubicBezTo>
-                  <a:cubicBezTo>
-                    <a:pt x="0" y="200"/>
-                    <a:pt x="0" y="200"/>
-                    <a:pt x="0" y="200"/>
-                  </a:cubicBezTo>
-                  <a:cubicBezTo>
-                    <a:pt x="0" y="206"/>
-                    <a:pt x="3" y="212"/>
-                    <a:pt x="8" y="215"/>
-                  </a:cubicBezTo>
-                  <a:cubicBezTo>
-                    <a:pt x="113" y="275"/>
-                    <a:pt x="113" y="275"/>
-                    <a:pt x="113" y="275"/>
-                  </a:cubicBezTo>
-                  <a:cubicBezTo>
-                    <a:pt x="119" y="278"/>
-                    <a:pt x="125" y="278"/>
-                    <a:pt x="131" y="275"/>
-                  </a:cubicBezTo>
-                  <a:cubicBezTo>
-                    <a:pt x="236" y="215"/>
-                    <a:pt x="236" y="215"/>
-                    <a:pt x="236" y="215"/>
-                  </a:cubicBezTo>
-                  <a:cubicBezTo>
-                    <a:pt x="241" y="212"/>
-                    <a:pt x="244" y="206"/>
-                    <a:pt x="244" y="200"/>
-                  </a:cubicBezTo>
-                  <a:close/>
-                </a:path>
-              </a:pathLst>
-            </a:custGeom>
-            <a:solidFill>
-              <a:schemeClr val="accent6">
-                <a:lumMod val="75000"/>
-              </a:schemeClr>
-            </a:solidFill>
-            <a:ln>
-              <a:noFill/>
-            </a:ln>
-          </p:spPr>
-          <p:txBody>
-            <a:bodyPr vert="horz" wrap="square" lIns="91440" tIns="45720" rIns="91440" bIns="45720" numCol="1" anchor="t" anchorCtr="0" compatLnSpc="1">
-              <a:prstTxWarp prst="textNoShape">
-                <a:avLst/>
-              </a:prstTxWarp>
-            </a:bodyPr>
-            <a:lstStyle/>
-            <a:p>
-              <a:endParaRPr lang="en-US"/>
-            </a:p>
-          </p:txBody>
-        </p:sp>
-        <p:sp>
-          <p:nvSpPr>
-            <p:cNvPr id="32" name="Freeform 131">
-              <a:extLst>
-                <a:ext uri="{FF2B5EF4-FFF2-40B4-BE49-F238E27FC236}">
-                  <a16:creationId xmlns:a16="http://schemas.microsoft.com/office/drawing/2014/main" id="{70181799-A96F-4C70-9726-3DCD200D6F8F}"/>
-                </a:ext>
-              </a:extLst>
-            </p:cNvPr>
-            <p:cNvSpPr>
-              <a:spLocks/>
-            </p:cNvSpPr>
-            <p:nvPr/>
-          </p:nvSpPr>
-          <p:spPr bwMode="auto">
-            <a:xfrm>
-              <a:off x="7061200" y="2176464"/>
-              <a:ext cx="668338" cy="760413"/>
-            </a:xfrm>
-            <a:custGeom>
-              <a:avLst/>
-              <a:gdLst>
-                <a:gd name="T0" fmla="*/ 178 w 178"/>
-                <a:gd name="T1" fmla="*/ 145 h 202"/>
-                <a:gd name="T2" fmla="*/ 178 w 178"/>
-                <a:gd name="T3" fmla="*/ 57 h 202"/>
-                <a:gd name="T4" fmla="*/ 172 w 178"/>
-                <a:gd name="T5" fmla="*/ 46 h 202"/>
-                <a:gd name="T6" fmla="*/ 95 w 178"/>
-                <a:gd name="T7" fmla="*/ 2 h 202"/>
-                <a:gd name="T8" fmla="*/ 83 w 178"/>
-                <a:gd name="T9" fmla="*/ 2 h 202"/>
-                <a:gd name="T10" fmla="*/ 6 w 178"/>
-                <a:gd name="T11" fmla="*/ 46 h 202"/>
-                <a:gd name="T12" fmla="*/ 0 w 178"/>
-                <a:gd name="T13" fmla="*/ 57 h 202"/>
-                <a:gd name="T14" fmla="*/ 0 w 178"/>
-                <a:gd name="T15" fmla="*/ 145 h 202"/>
-                <a:gd name="T16" fmla="*/ 6 w 178"/>
-                <a:gd name="T17" fmla="*/ 156 h 202"/>
-                <a:gd name="T18" fmla="*/ 83 w 178"/>
-                <a:gd name="T19" fmla="*/ 200 h 202"/>
-                <a:gd name="T20" fmla="*/ 95 w 178"/>
-                <a:gd name="T21" fmla="*/ 200 h 202"/>
-                <a:gd name="T22" fmla="*/ 172 w 178"/>
-                <a:gd name="T23" fmla="*/ 156 h 202"/>
-                <a:gd name="T24" fmla="*/ 178 w 178"/>
-                <a:gd name="T25" fmla="*/ 145 h 202"/>
-              </a:gdLst>
-              <a:ahLst/>
-              <a:cxnLst>
-                <a:cxn ang="0">
-                  <a:pos x="T0" y="T1"/>
-                </a:cxn>
-                <a:cxn ang="0">
-                  <a:pos x="T2" y="T3"/>
-                </a:cxn>
-                <a:cxn ang="0">
-                  <a:pos x="T4" y="T5"/>
-                </a:cxn>
-                <a:cxn ang="0">
-                  <a:pos x="T6" y="T7"/>
-                </a:cxn>
-                <a:cxn ang="0">
-                  <a:pos x="T8" y="T9"/>
-                </a:cxn>
-                <a:cxn ang="0">
-                  <a:pos x="T10" y="T11"/>
-                </a:cxn>
-                <a:cxn ang="0">
-                  <a:pos x="T12" y="T13"/>
-                </a:cxn>
-                <a:cxn ang="0">
-                  <a:pos x="T14" y="T15"/>
-                </a:cxn>
-                <a:cxn ang="0">
-                  <a:pos x="T16" y="T17"/>
-                </a:cxn>
-                <a:cxn ang="0">
-                  <a:pos x="T18" y="T19"/>
-                </a:cxn>
-                <a:cxn ang="0">
-                  <a:pos x="T20" y="T21"/>
-                </a:cxn>
-                <a:cxn ang="0">
-                  <a:pos x="T22" y="T23"/>
-                </a:cxn>
-                <a:cxn ang="0">
-                  <a:pos x="T24" y="T25"/>
-                </a:cxn>
-              </a:cxnLst>
-              <a:rect l="0" t="0" r="r" b="b"/>
-              <a:pathLst>
-                <a:path w="178" h="202">
-                  <a:moveTo>
-                    <a:pt x="178" y="145"/>
-                  </a:moveTo>
-                  <a:cubicBezTo>
-                    <a:pt x="178" y="57"/>
-                    <a:pt x="178" y="57"/>
-                    <a:pt x="178" y="57"/>
-                  </a:cubicBezTo>
-                  <a:cubicBezTo>
-                    <a:pt x="178" y="52"/>
-                    <a:pt x="176" y="48"/>
-                    <a:pt x="172" y="46"/>
-                  </a:cubicBezTo>
-                  <a:cubicBezTo>
-                    <a:pt x="95" y="2"/>
-                    <a:pt x="95" y="2"/>
-                    <a:pt x="95" y="2"/>
-                  </a:cubicBezTo>
-                  <a:cubicBezTo>
-                    <a:pt x="91" y="0"/>
-                    <a:pt x="87" y="0"/>
-                    <a:pt x="83" y="2"/>
-                  </a:cubicBezTo>
-                  <a:cubicBezTo>
-                    <a:pt x="6" y="46"/>
-                    <a:pt x="6" y="46"/>
-                    <a:pt x="6" y="46"/>
-                  </a:cubicBezTo>
-                  <a:cubicBezTo>
-                    <a:pt x="2" y="48"/>
-                    <a:pt x="0" y="52"/>
-                    <a:pt x="0" y="57"/>
-                  </a:cubicBezTo>
-                  <a:cubicBezTo>
-                    <a:pt x="0" y="145"/>
-                    <a:pt x="0" y="145"/>
-                    <a:pt x="0" y="145"/>
-                  </a:cubicBezTo>
-                  <a:cubicBezTo>
-                    <a:pt x="0" y="150"/>
-                    <a:pt x="2" y="154"/>
-                    <a:pt x="6" y="156"/>
-                  </a:cubicBezTo>
-                  <a:cubicBezTo>
-                    <a:pt x="83" y="200"/>
-                    <a:pt x="83" y="200"/>
-                    <a:pt x="83" y="200"/>
-                  </a:cubicBezTo>
-                  <a:cubicBezTo>
-                    <a:pt x="87" y="202"/>
-                    <a:pt x="91" y="202"/>
-                    <a:pt x="95" y="200"/>
-                  </a:cubicBezTo>
-                  <a:cubicBezTo>
-                    <a:pt x="172" y="156"/>
-                    <a:pt x="172" y="156"/>
-                    <a:pt x="172" y="156"/>
-                  </a:cubicBezTo>
-                  <a:cubicBezTo>
-                    <a:pt x="176" y="154"/>
-                    <a:pt x="178" y="150"/>
-                    <a:pt x="178" y="145"/>
                   </a:cubicBezTo>
                   <a:close/>
                 </a:path>
@@ -8491,14 +8109,11 @@
             <a:lstStyle/>
             <a:p>
               <a:pPr algn="ctr"/>
-              <a:r>
-                <a:rPr lang="en-US" dirty="0">
-                  <a:solidFill>
-                    <a:schemeClr val="bg1"/>
-                  </a:solidFill>
-                </a:rPr>
-                <a:t>7</a:t>
-              </a:r>
+              <a:endParaRPr lang="en-US" dirty="0">
+                <a:solidFill>
+                  <a:schemeClr val="bg1"/>
+                </a:solidFill>
+              </a:endParaRPr>
             </a:p>
           </p:txBody>
         </p:sp>
@@ -19249,7 +18864,7 @@
         <p:spPr>
           <a:xfrm>
             <a:off x="657885" y="3815750"/>
-            <a:ext cx="1575326" cy="775597"/>
+            <a:ext cx="1575326" cy="963918"/>
           </a:xfrm>
           <a:prstGeom prst="rect">
             <a:avLst/>
@@ -19442,7 +19057,7 @@
                 </a:solidFill>
                 <a:latin typeface="+mj-lt"/>
               </a:rPr>
-              <a:t>SECTION NAME</a:t>
+              <a:t>Migrations</a:t>
             </a:r>
             <a:br>
               <a:rPr lang="en-US" sz="1200" b="1" dirty="0">
@@ -19463,9 +19078,20 @@
                 </a:solidFill>
                 <a:latin typeface="+mj-lt"/>
               </a:rPr>
-              <a:t>This is a sample text. You simply add your own text here. </a:t>
+              <a:t>Why?  Purpose, Management, Usage, Custom Operation,</a:t>
             </a:r>
-            <a:endParaRPr lang="en-US" sz="1050" dirty="0">
+            <a:r>
+              <a:rPr lang="en-US" sz="1050" dirty="0">
+                <a:solidFill>
+                  <a:schemeClr val="accent4">
+                    <a:lumMod val="50000"/>
+                  </a:schemeClr>
+                </a:solidFill>
+                <a:latin typeface="+mj-lt"/>
+              </a:rPr>
+              <a:t> Custom Projects, Domain Context</a:t>
+            </a:r>
+            <a:endParaRPr lang="en-US" sz="1000" dirty="0">
               <a:solidFill>
                 <a:schemeClr val="accent4">
                   <a:lumMod val="50000"/>
@@ -19493,7 +19119,7 @@
         <p:spPr>
           <a:xfrm>
             <a:off x="1699450" y="1075431"/>
-            <a:ext cx="1575326" cy="775597"/>
+            <a:ext cx="1575326" cy="576825"/>
           </a:xfrm>
           <a:prstGeom prst="rect">
             <a:avLst/>
@@ -19686,7 +19312,7 @@
                 </a:solidFill>
                 <a:latin typeface="+mj-lt"/>
               </a:rPr>
-              <a:t>SECTION NAME</a:t>
+              <a:t>Data Annotations</a:t>
             </a:r>
             <a:br>
               <a:rPr lang="en-US" sz="1200" b="1" dirty="0">
@@ -19707,7 +19333,7 @@
                 </a:solidFill>
                 <a:latin typeface="+mj-lt"/>
               </a:rPr>
-              <a:t>This is a sample text. You simply add your own text here. </a:t>
+              <a:t>Introduction, Usage in Code-First Scenarios. </a:t>
             </a:r>
             <a:endParaRPr lang="en-US" sz="1050" dirty="0">
               <a:solidFill>
@@ -19737,7 +19363,7 @@
         <p:spPr>
           <a:xfrm>
             <a:off x="2747460" y="3815750"/>
-            <a:ext cx="1575326" cy="775597"/>
+            <a:ext cx="1575326" cy="1259063"/>
           </a:xfrm>
           <a:prstGeom prst="rect">
             <a:avLst/>
@@ -19930,7 +19556,7 @@
                 </a:solidFill>
                 <a:latin typeface="+mj-lt"/>
               </a:rPr>
-              <a:t>SECTION NAME</a:t>
+              <a:t>Fluent API</a:t>
             </a:r>
             <a:br>
               <a:rPr lang="en-US" sz="1200" b="1" dirty="0">
@@ -19951,7 +19577,26 @@
                 </a:solidFill>
                 <a:latin typeface="+mj-lt"/>
               </a:rPr>
-              <a:t>This is a sample text. You simply add your own text here. </a:t>
+              <a:t>Overview, Mapping to Entities / Properties / Relationship</a:t>
+            </a:r>
+          </a:p>
+          <a:p>
+            <a:pPr marL="0" indent="0" algn="ctr">
+              <a:lnSpc>
+                <a:spcPct val="120000"/>
+              </a:lnSpc>
+              <a:buNone/>
+            </a:pPr>
+            <a:r>
+              <a:rPr lang="en-US" sz="1000" dirty="0">
+                <a:solidFill>
+                  <a:schemeClr val="accent4">
+                    <a:lumMod val="50000"/>
+                  </a:schemeClr>
+                </a:solidFill>
+                <a:latin typeface="+mj-lt"/>
+              </a:rPr>
+              <a:t>Stored Procedures / Raw SQL</a:t>
             </a:r>
             <a:endParaRPr lang="en-US" sz="1050" dirty="0">
               <a:solidFill>
@@ -19981,7 +19626,7 @@
         <p:spPr>
           <a:xfrm>
             <a:off x="3786288" y="1075431"/>
-            <a:ext cx="1575326" cy="775597"/>
+            <a:ext cx="1575326" cy="761491"/>
           </a:xfrm>
           <a:prstGeom prst="rect">
             <a:avLst/>
@@ -20174,7 +19819,7 @@
                 </a:solidFill>
                 <a:latin typeface="+mj-lt"/>
               </a:rPr>
-              <a:t>SECTION NAME</a:t>
+              <a:t>CRUD Operations</a:t>
             </a:r>
             <a:br>
               <a:rPr lang="en-US" sz="1200" b="1" dirty="0">
@@ -20195,7 +19840,7 @@
                 </a:solidFill>
                 <a:latin typeface="+mj-lt"/>
               </a:rPr>
-              <a:t>This is a sample text. You simply add your own text here. </a:t>
+              <a:t>Explore Create, Read, Update and Delete; Search &amp; Related Data</a:t>
             </a:r>
             <a:endParaRPr lang="en-US" sz="1050" dirty="0">
               <a:solidFill>
@@ -20225,7 +19870,273 @@
         <p:spPr>
           <a:xfrm>
             <a:off x="4825901" y="3815750"/>
-            <a:ext cx="1575326" cy="775597"/>
+            <a:ext cx="1575326" cy="798424"/>
+          </a:xfrm>
+          <a:prstGeom prst="rect">
+            <a:avLst/>
+          </a:prstGeom>
+        </p:spPr>
+        <p:txBody>
+          <a:bodyPr wrap="square" lIns="0" tIns="0" rIns="0" bIns="0" anchor="t">
+            <a:spAutoFit/>
+          </a:bodyPr>
+          <a:lstStyle>
+            <a:lvl1pPr marL="272967" indent="-272967" algn="l" defTabSz="914127" rtl="0" eaLnBrk="1" latinLnBrk="0" hangingPunct="1">
+              <a:lnSpc>
+                <a:spcPct val="90000"/>
+              </a:lnSpc>
+              <a:spcBef>
+                <a:spcPts val="0"/>
+              </a:spcBef>
+              <a:spcAft>
+                <a:spcPts val="1000"/>
+              </a:spcAft>
+              <a:buFont typeface="Wingdings" panose="05000000000000000000" pitchFamily="2" charset="2"/>
+              <a:buChar char="§"/>
+              <a:defRPr sz="2300" kern="1200">
+                <a:solidFill>
+                  <a:schemeClr val="bg1"/>
+                </a:solidFill>
+                <a:latin typeface="Calibri Light" panose="020F0302020204030204" pitchFamily="34" charset="0"/>
+                <a:ea typeface="+mn-ea"/>
+                <a:cs typeface="+mn-cs"/>
+              </a:defRPr>
+            </a:lvl1pPr>
+            <a:lvl2pPr marL="807798" indent="-272967" algn="l" defTabSz="914127" rtl="0" eaLnBrk="1" latinLnBrk="0" hangingPunct="1">
+              <a:lnSpc>
+                <a:spcPct val="90000"/>
+              </a:lnSpc>
+              <a:spcBef>
+                <a:spcPts val="0"/>
+              </a:spcBef>
+              <a:spcAft>
+                <a:spcPts val="1000"/>
+              </a:spcAft>
+              <a:buFont typeface="Symbol" panose="05050102010706020507" pitchFamily="18" charset="2"/>
+              <a:buChar char="-"/>
+              <a:defRPr sz="2000" kern="1200">
+                <a:solidFill>
+                  <a:schemeClr val="bg1"/>
+                </a:solidFill>
+                <a:latin typeface="Calibri Light" panose="020F0302020204030204" pitchFamily="34" charset="0"/>
+                <a:ea typeface="+mn-ea"/>
+                <a:cs typeface="+mn-cs"/>
+              </a:defRPr>
+            </a:lvl2pPr>
+            <a:lvl3pPr marL="1080764" indent="-177748" algn="l" defTabSz="914127" rtl="0" eaLnBrk="1" latinLnBrk="0" hangingPunct="1">
+              <a:lnSpc>
+                <a:spcPct val="90000"/>
+              </a:lnSpc>
+              <a:spcBef>
+                <a:spcPts val="0"/>
+              </a:spcBef>
+              <a:spcAft>
+                <a:spcPts val="1000"/>
+              </a:spcAft>
+              <a:buFont typeface="Symbol" panose="05050102010706020507" pitchFamily="18" charset="2"/>
+              <a:buChar char="-"/>
+              <a:defRPr sz="1900" kern="1200">
+                <a:solidFill>
+                  <a:schemeClr val="bg1"/>
+                </a:solidFill>
+                <a:latin typeface="Calibri Light" panose="020F0302020204030204" pitchFamily="34" charset="0"/>
+                <a:ea typeface="+mn-ea"/>
+                <a:cs typeface="+mn-cs"/>
+              </a:defRPr>
+            </a:lvl3pPr>
+            <a:lvl4pPr marL="1436256" indent="-177748" algn="l" defTabSz="914127" rtl="0" eaLnBrk="1" latinLnBrk="0" hangingPunct="1">
+              <a:lnSpc>
+                <a:spcPct val="90000"/>
+              </a:lnSpc>
+              <a:spcBef>
+                <a:spcPts val="0"/>
+              </a:spcBef>
+              <a:spcAft>
+                <a:spcPts val="1000"/>
+              </a:spcAft>
+              <a:buFont typeface="Symbol" panose="05050102010706020507" pitchFamily="18" charset="2"/>
+              <a:buChar char="-"/>
+              <a:defRPr sz="1600" kern="1200">
+                <a:solidFill>
+                  <a:schemeClr val="bg1"/>
+                </a:solidFill>
+                <a:latin typeface="Calibri Light" panose="020F0302020204030204" pitchFamily="34" charset="0"/>
+                <a:ea typeface="+mn-ea"/>
+                <a:cs typeface="+mn-cs"/>
+              </a:defRPr>
+            </a:lvl4pPr>
+            <a:lvl5pPr marL="1793335" indent="-179335" algn="l" defTabSz="914127" rtl="0" eaLnBrk="1" latinLnBrk="0" hangingPunct="1">
+              <a:lnSpc>
+                <a:spcPct val="90000"/>
+              </a:lnSpc>
+              <a:spcBef>
+                <a:spcPts val="0"/>
+              </a:spcBef>
+              <a:spcAft>
+                <a:spcPts val="1000"/>
+              </a:spcAft>
+              <a:buFont typeface="Symbol" panose="05050102010706020507" pitchFamily="18" charset="2"/>
+              <a:buChar char="-"/>
+              <a:defRPr sz="1600" kern="1200">
+                <a:solidFill>
+                  <a:schemeClr val="bg1"/>
+                </a:solidFill>
+                <a:latin typeface="Calibri Light" panose="020F0302020204030204" pitchFamily="34" charset="0"/>
+                <a:ea typeface="+mn-ea"/>
+                <a:cs typeface="+mn-cs"/>
+              </a:defRPr>
+            </a:lvl5pPr>
+            <a:lvl6pPr marL="2513847" indent="-228532" algn="l" defTabSz="914127" rtl="0" eaLnBrk="1" latinLnBrk="0" hangingPunct="1">
+              <a:spcBef>
+                <a:spcPct val="20000"/>
+              </a:spcBef>
+              <a:buFont typeface="Arial" panose="020B0604020202020204" pitchFamily="34" charset="0"/>
+              <a:buChar char="•"/>
+              <a:defRPr sz="2000" kern="1200">
+                <a:solidFill>
+                  <a:schemeClr val="tx1"/>
+                </a:solidFill>
+                <a:latin typeface="+mn-lt"/>
+                <a:ea typeface="+mn-ea"/>
+                <a:cs typeface="+mn-cs"/>
+              </a:defRPr>
+            </a:lvl6pPr>
+            <a:lvl7pPr marL="2970910" indent="-228532" algn="l" defTabSz="914127" rtl="0" eaLnBrk="1" latinLnBrk="0" hangingPunct="1">
+              <a:spcBef>
+                <a:spcPct val="20000"/>
+              </a:spcBef>
+              <a:buFont typeface="Arial" panose="020B0604020202020204" pitchFamily="34" charset="0"/>
+              <a:buChar char="•"/>
+              <a:defRPr sz="2000" kern="1200">
+                <a:solidFill>
+                  <a:schemeClr val="tx1"/>
+                </a:solidFill>
+                <a:latin typeface="+mn-lt"/>
+                <a:ea typeface="+mn-ea"/>
+                <a:cs typeface="+mn-cs"/>
+              </a:defRPr>
+            </a:lvl7pPr>
+            <a:lvl8pPr marL="3427972" indent="-228532" algn="l" defTabSz="914127" rtl="0" eaLnBrk="1" latinLnBrk="0" hangingPunct="1">
+              <a:spcBef>
+                <a:spcPct val="20000"/>
+              </a:spcBef>
+              <a:buFont typeface="Arial" panose="020B0604020202020204" pitchFamily="34" charset="0"/>
+              <a:buChar char="•"/>
+              <a:defRPr sz="2000" kern="1200">
+                <a:solidFill>
+                  <a:schemeClr val="tx1"/>
+                </a:solidFill>
+                <a:latin typeface="+mn-lt"/>
+                <a:ea typeface="+mn-ea"/>
+                <a:cs typeface="+mn-cs"/>
+              </a:defRPr>
+            </a:lvl8pPr>
+            <a:lvl9pPr marL="3885034" indent="-228532" algn="l" defTabSz="914127" rtl="0" eaLnBrk="1" latinLnBrk="0" hangingPunct="1">
+              <a:spcBef>
+                <a:spcPct val="20000"/>
+              </a:spcBef>
+              <a:buFont typeface="Arial" panose="020B0604020202020204" pitchFamily="34" charset="0"/>
+              <a:buChar char="•"/>
+              <a:defRPr sz="2000" kern="1200">
+                <a:solidFill>
+                  <a:schemeClr val="tx1"/>
+                </a:solidFill>
+                <a:latin typeface="+mn-lt"/>
+                <a:ea typeface="+mn-ea"/>
+                <a:cs typeface="+mn-cs"/>
+              </a:defRPr>
+            </a:lvl9pPr>
+          </a:lstStyle>
+          <a:p>
+            <a:pPr marL="0" indent="0" algn="ctr">
+              <a:lnSpc>
+                <a:spcPct val="120000"/>
+              </a:lnSpc>
+              <a:buNone/>
+            </a:pPr>
+            <a:r>
+              <a:rPr lang="en-US" sz="1200" b="1" dirty="0" err="1">
+                <a:solidFill>
+                  <a:schemeClr val="accent4">
+                    <a:lumMod val="50000"/>
+                  </a:schemeClr>
+                </a:solidFill>
+                <a:latin typeface="+mj-lt"/>
+              </a:rPr>
+              <a:t>IQuerable</a:t>
+            </a:r>
+            <a:r>
+              <a:rPr lang="en-US" sz="1200" b="1" dirty="0">
+                <a:solidFill>
+                  <a:schemeClr val="accent4">
+                    <a:lumMod val="50000"/>
+                  </a:schemeClr>
+                </a:solidFill>
+                <a:latin typeface="+mj-lt"/>
+              </a:rPr>
+              <a:t> vs </a:t>
+            </a:r>
+            <a:r>
+              <a:rPr lang="en-US" sz="1200" b="1" dirty="0" err="1">
+                <a:solidFill>
+                  <a:schemeClr val="accent4">
+                    <a:lumMod val="50000"/>
+                  </a:schemeClr>
+                </a:solidFill>
+                <a:latin typeface="+mj-lt"/>
+              </a:rPr>
+              <a:t>IEnumerable</a:t>
+            </a:r>
+            <a:br>
+              <a:rPr lang="en-US" sz="1200" b="1" dirty="0">
+                <a:solidFill>
+                  <a:schemeClr val="accent4">
+                    <a:lumMod val="50000"/>
+                  </a:schemeClr>
+                </a:solidFill>
+                <a:latin typeface="+mj-lt"/>
+              </a:rPr>
+            </a:br>
+            <a:r>
+              <a:rPr lang="en-US" sz="1000" dirty="0">
+                <a:solidFill>
+                  <a:schemeClr val="accent4">
+                    <a:lumMod val="50000"/>
+                  </a:schemeClr>
+                </a:solidFill>
+                <a:latin typeface="+mj-lt"/>
+              </a:rPr>
+              <a:t>Best Practices, Layering / Boundaries</a:t>
+            </a:r>
+            <a:endParaRPr lang="en-US" sz="1050" dirty="0">
+              <a:solidFill>
+                <a:schemeClr val="accent4">
+                  <a:lumMod val="50000"/>
+                </a:schemeClr>
+              </a:solidFill>
+              <a:latin typeface="+mj-lt"/>
+            </a:endParaRPr>
+          </a:p>
+        </p:txBody>
+      </p:sp>
+      <p:sp>
+        <p:nvSpPr>
+          <p:cNvPr id="66" name="Inhaltsplatzhalter 4">
+            <a:extLst>
+              <a:ext uri="{FF2B5EF4-FFF2-40B4-BE49-F238E27FC236}">
+                <a16:creationId xmlns:a16="http://schemas.microsoft.com/office/drawing/2014/main" id="{2F887781-0196-453E-A82C-48FC6A0608A0}"/>
+              </a:ext>
+            </a:extLst>
+          </p:cNvPr>
+          <p:cNvSpPr txBox="1">
+            <a:spLocks/>
+          </p:cNvSpPr>
+          <p:nvPr/>
+        </p:nvSpPr>
+        <p:spPr>
+          <a:xfrm>
+            <a:off x="5863038" y="925580"/>
+            <a:ext cx="1575326" cy="983090"/>
           </a:xfrm>
           <a:prstGeom prst="rect">
             <a:avLst/>
@@ -20418,7 +20329,7 @@
                 </a:solidFill>
                 <a:latin typeface="+mj-lt"/>
               </a:rPr>
-              <a:t>SECTION NAME</a:t>
+              <a:t>Advanced Framework Concepts</a:t>
             </a:r>
             <a:br>
               <a:rPr lang="en-US" sz="1200" b="1" dirty="0">
@@ -20439,7 +20350,73 @@
                 </a:solidFill>
                 <a:latin typeface="+mj-lt"/>
               </a:rPr>
-              <a:t>This is a sample text. You simply add your own text here. </a:t>
+              <a:t>Accessing </a:t>
+            </a:r>
+            <a:r>
+              <a:rPr lang="en-US" sz="1000" dirty="0" err="1">
+                <a:solidFill>
+                  <a:schemeClr val="accent4">
+                    <a:lumMod val="50000"/>
+                  </a:schemeClr>
+                </a:solidFill>
+                <a:latin typeface="+mj-lt"/>
+              </a:rPr>
+              <a:t>Sql</a:t>
+            </a:r>
+            <a:r>
+              <a:rPr lang="en-US" sz="1000" dirty="0">
+                <a:solidFill>
+                  <a:schemeClr val="accent4">
+                    <a:lumMod val="50000"/>
+                  </a:schemeClr>
+                </a:solidFill>
+                <a:latin typeface="+mj-lt"/>
+              </a:rPr>
+              <a:t> Views, using Scaffolding, </a:t>
+            </a:r>
+            <a:r>
+              <a:rPr lang="en-US" sz="1000" dirty="0" err="1">
+                <a:solidFill>
+                  <a:schemeClr val="accent4">
+                    <a:lumMod val="50000"/>
+                  </a:schemeClr>
+                </a:solidFill>
+                <a:latin typeface="+mj-lt"/>
+              </a:rPr>
+              <a:t>IRepository</a:t>
+            </a:r>
+            <a:r>
+              <a:rPr lang="en-US" sz="1000" dirty="0">
+                <a:solidFill>
+                  <a:schemeClr val="accent4">
+                    <a:lumMod val="50000"/>
+                  </a:schemeClr>
+                </a:solidFill>
+                <a:latin typeface="+mj-lt"/>
+              </a:rPr>
+              <a:t>, </a:t>
+            </a:r>
+            <a:r>
+              <a:rPr lang="en-US" sz="1000" dirty="0" err="1">
+                <a:solidFill>
+                  <a:schemeClr val="accent4">
+                    <a:lumMod val="50000"/>
+                  </a:schemeClr>
+                </a:solidFill>
+                <a:latin typeface="+mj-lt"/>
+              </a:rPr>
+              <a:t>IUnitOfWork</a:t>
+            </a:r>
+            <a:r>
+              <a:rPr lang="en-US" sz="1000" dirty="0">
+                <a:solidFill>
+                  <a:schemeClr val="accent4">
+                    <a:lumMod val="50000"/>
+                  </a:schemeClr>
+                </a:solidFill>
+                <a:latin typeface="+mj-lt"/>
+              </a:rPr>
+              <a:t>, Paged Results </a:t>
             </a:r>
             <a:endParaRPr lang="en-US" sz="1050" dirty="0">
               <a:solidFill>
@@ -20454,10 +20431,10 @@
       </p:sp>
       <p:sp>
         <p:nvSpPr>
-          <p:cNvPr id="66" name="Inhaltsplatzhalter 4">
+          <p:cNvPr id="67" name="Inhaltsplatzhalter 4">
             <a:extLst>
               <a:ext uri="{FF2B5EF4-FFF2-40B4-BE49-F238E27FC236}">
-                <a16:creationId xmlns:a16="http://schemas.microsoft.com/office/drawing/2014/main" id="{2F887781-0196-453E-A82C-48FC6A0608A0}"/>
+                <a16:creationId xmlns:a16="http://schemas.microsoft.com/office/drawing/2014/main" id="{516A934D-8E37-4E3B-B6EA-916F99DCA69B}"/>
               </a:ext>
             </a:extLst>
           </p:cNvPr>
@@ -20468,8 +20445,8 @@
         </p:nvSpPr>
         <p:spPr>
           <a:xfrm>
-            <a:off x="5863038" y="1075431"/>
-            <a:ext cx="1575326" cy="775597"/>
+            <a:off x="6909910" y="3815750"/>
+            <a:ext cx="1575326" cy="400687"/>
           </a:xfrm>
           <a:prstGeom prst="rect">
             <a:avLst/>
@@ -20662,7 +20639,7 @@
                 </a:solidFill>
                 <a:latin typeface="+mj-lt"/>
               </a:rPr>
-              <a:t>SECTION NAME</a:t>
+              <a:t>Start</a:t>
             </a:r>
             <a:br>
               <a:rPr lang="en-US" sz="1200" b="1" dirty="0">
@@ -20674,261 +20651,6 @@
                 <a:latin typeface="+mj-lt"/>
               </a:rPr>
             </a:br>
-            <a:r>
-              <a:rPr lang="en-US" sz="1000" dirty="0">
-                <a:solidFill>
-                  <a:schemeClr val="accent4">
-                    <a:lumMod val="50000"/>
-                  </a:schemeClr>
-                </a:solidFill>
-                <a:latin typeface="+mj-lt"/>
-              </a:rPr>
-              <a:t>This is a sample text. You simply add your own text here. </a:t>
-            </a:r>
-            <a:endParaRPr lang="en-US" sz="1050" dirty="0">
-              <a:solidFill>
-                <a:schemeClr val="accent4">
-                  <a:lumMod val="50000"/>
-                </a:schemeClr>
-              </a:solidFill>
-              <a:latin typeface="+mj-lt"/>
-            </a:endParaRPr>
-          </a:p>
-        </p:txBody>
-      </p:sp>
-      <p:sp>
-        <p:nvSpPr>
-          <p:cNvPr id="67" name="Inhaltsplatzhalter 4">
-            <a:extLst>
-              <a:ext uri="{FF2B5EF4-FFF2-40B4-BE49-F238E27FC236}">
-                <a16:creationId xmlns:a16="http://schemas.microsoft.com/office/drawing/2014/main" id="{516A934D-8E37-4E3B-B6EA-916F99DCA69B}"/>
-              </a:ext>
-            </a:extLst>
-          </p:cNvPr>
-          <p:cNvSpPr txBox="1">
-            <a:spLocks/>
-          </p:cNvSpPr>
-          <p:nvPr/>
-        </p:nvSpPr>
-        <p:spPr>
-          <a:xfrm>
-            <a:off x="6909910" y="3815750"/>
-            <a:ext cx="1575326" cy="775597"/>
-          </a:xfrm>
-          <a:prstGeom prst="rect">
-            <a:avLst/>
-          </a:prstGeom>
-        </p:spPr>
-        <p:txBody>
-          <a:bodyPr wrap="square" lIns="0" tIns="0" rIns="0" bIns="0" anchor="t">
-            <a:spAutoFit/>
-          </a:bodyPr>
-          <a:lstStyle>
-            <a:lvl1pPr marL="272967" indent="-272967" algn="l" defTabSz="914127" rtl="0" eaLnBrk="1" latinLnBrk="0" hangingPunct="1">
-              <a:lnSpc>
-                <a:spcPct val="90000"/>
-              </a:lnSpc>
-              <a:spcBef>
-                <a:spcPts val="0"/>
-              </a:spcBef>
-              <a:spcAft>
-                <a:spcPts val="1000"/>
-              </a:spcAft>
-              <a:buFont typeface="Wingdings" panose="05000000000000000000" pitchFamily="2" charset="2"/>
-              <a:buChar char="§"/>
-              <a:defRPr sz="2300" kern="1200">
-                <a:solidFill>
-                  <a:schemeClr val="bg1"/>
-                </a:solidFill>
-                <a:latin typeface="Calibri Light" panose="020F0302020204030204" pitchFamily="34" charset="0"/>
-                <a:ea typeface="+mn-ea"/>
-                <a:cs typeface="+mn-cs"/>
-              </a:defRPr>
-            </a:lvl1pPr>
-            <a:lvl2pPr marL="807798" indent="-272967" algn="l" defTabSz="914127" rtl="0" eaLnBrk="1" latinLnBrk="0" hangingPunct="1">
-              <a:lnSpc>
-                <a:spcPct val="90000"/>
-              </a:lnSpc>
-              <a:spcBef>
-                <a:spcPts val="0"/>
-              </a:spcBef>
-              <a:spcAft>
-                <a:spcPts val="1000"/>
-              </a:spcAft>
-              <a:buFont typeface="Symbol" panose="05050102010706020507" pitchFamily="18" charset="2"/>
-              <a:buChar char="-"/>
-              <a:defRPr sz="2000" kern="1200">
-                <a:solidFill>
-                  <a:schemeClr val="bg1"/>
-                </a:solidFill>
-                <a:latin typeface="Calibri Light" panose="020F0302020204030204" pitchFamily="34" charset="0"/>
-                <a:ea typeface="+mn-ea"/>
-                <a:cs typeface="+mn-cs"/>
-              </a:defRPr>
-            </a:lvl2pPr>
-            <a:lvl3pPr marL="1080764" indent="-177748" algn="l" defTabSz="914127" rtl="0" eaLnBrk="1" latinLnBrk="0" hangingPunct="1">
-              <a:lnSpc>
-                <a:spcPct val="90000"/>
-              </a:lnSpc>
-              <a:spcBef>
-                <a:spcPts val="0"/>
-              </a:spcBef>
-              <a:spcAft>
-                <a:spcPts val="1000"/>
-              </a:spcAft>
-              <a:buFont typeface="Symbol" panose="05050102010706020507" pitchFamily="18" charset="2"/>
-              <a:buChar char="-"/>
-              <a:defRPr sz="1900" kern="1200">
-                <a:solidFill>
-                  <a:schemeClr val="bg1"/>
-                </a:solidFill>
-                <a:latin typeface="Calibri Light" panose="020F0302020204030204" pitchFamily="34" charset="0"/>
-                <a:ea typeface="+mn-ea"/>
-                <a:cs typeface="+mn-cs"/>
-              </a:defRPr>
-            </a:lvl3pPr>
-            <a:lvl4pPr marL="1436256" indent="-177748" algn="l" defTabSz="914127" rtl="0" eaLnBrk="1" latinLnBrk="0" hangingPunct="1">
-              <a:lnSpc>
-                <a:spcPct val="90000"/>
-              </a:lnSpc>
-              <a:spcBef>
-                <a:spcPts val="0"/>
-              </a:spcBef>
-              <a:spcAft>
-                <a:spcPts val="1000"/>
-              </a:spcAft>
-              <a:buFont typeface="Symbol" panose="05050102010706020507" pitchFamily="18" charset="2"/>
-              <a:buChar char="-"/>
-              <a:defRPr sz="1600" kern="1200">
-                <a:solidFill>
-                  <a:schemeClr val="bg1"/>
-                </a:solidFill>
-                <a:latin typeface="Calibri Light" panose="020F0302020204030204" pitchFamily="34" charset="0"/>
-                <a:ea typeface="+mn-ea"/>
-                <a:cs typeface="+mn-cs"/>
-              </a:defRPr>
-            </a:lvl4pPr>
-            <a:lvl5pPr marL="1793335" indent="-179335" algn="l" defTabSz="914127" rtl="0" eaLnBrk="1" latinLnBrk="0" hangingPunct="1">
-              <a:lnSpc>
-                <a:spcPct val="90000"/>
-              </a:lnSpc>
-              <a:spcBef>
-                <a:spcPts val="0"/>
-              </a:spcBef>
-              <a:spcAft>
-                <a:spcPts val="1000"/>
-              </a:spcAft>
-              <a:buFont typeface="Symbol" panose="05050102010706020507" pitchFamily="18" charset="2"/>
-              <a:buChar char="-"/>
-              <a:defRPr sz="1600" kern="1200">
-                <a:solidFill>
-                  <a:schemeClr val="bg1"/>
-                </a:solidFill>
-                <a:latin typeface="Calibri Light" panose="020F0302020204030204" pitchFamily="34" charset="0"/>
-                <a:ea typeface="+mn-ea"/>
-                <a:cs typeface="+mn-cs"/>
-              </a:defRPr>
-            </a:lvl5pPr>
-            <a:lvl6pPr marL="2513847" indent="-228532" algn="l" defTabSz="914127" rtl="0" eaLnBrk="1" latinLnBrk="0" hangingPunct="1">
-              <a:spcBef>
-                <a:spcPct val="20000"/>
-              </a:spcBef>
-              <a:buFont typeface="Arial" panose="020B0604020202020204" pitchFamily="34" charset="0"/>
-              <a:buChar char="•"/>
-              <a:defRPr sz="2000" kern="1200">
-                <a:solidFill>
-                  <a:schemeClr val="tx1"/>
-                </a:solidFill>
-                <a:latin typeface="+mn-lt"/>
-                <a:ea typeface="+mn-ea"/>
-                <a:cs typeface="+mn-cs"/>
-              </a:defRPr>
-            </a:lvl6pPr>
-            <a:lvl7pPr marL="2970910" indent="-228532" algn="l" defTabSz="914127" rtl="0" eaLnBrk="1" latinLnBrk="0" hangingPunct="1">
-              <a:spcBef>
-                <a:spcPct val="20000"/>
-              </a:spcBef>
-              <a:buFont typeface="Arial" panose="020B0604020202020204" pitchFamily="34" charset="0"/>
-              <a:buChar char="•"/>
-              <a:defRPr sz="2000" kern="1200">
-                <a:solidFill>
-                  <a:schemeClr val="tx1"/>
-                </a:solidFill>
-                <a:latin typeface="+mn-lt"/>
-                <a:ea typeface="+mn-ea"/>
-                <a:cs typeface="+mn-cs"/>
-              </a:defRPr>
-            </a:lvl7pPr>
-            <a:lvl8pPr marL="3427972" indent="-228532" algn="l" defTabSz="914127" rtl="0" eaLnBrk="1" latinLnBrk="0" hangingPunct="1">
-              <a:spcBef>
-                <a:spcPct val="20000"/>
-              </a:spcBef>
-              <a:buFont typeface="Arial" panose="020B0604020202020204" pitchFamily="34" charset="0"/>
-              <a:buChar char="•"/>
-              <a:defRPr sz="2000" kern="1200">
-                <a:solidFill>
-                  <a:schemeClr val="tx1"/>
-                </a:solidFill>
-                <a:latin typeface="+mn-lt"/>
-                <a:ea typeface="+mn-ea"/>
-                <a:cs typeface="+mn-cs"/>
-              </a:defRPr>
-            </a:lvl8pPr>
-            <a:lvl9pPr marL="3885034" indent="-228532" algn="l" defTabSz="914127" rtl="0" eaLnBrk="1" latinLnBrk="0" hangingPunct="1">
-              <a:spcBef>
-                <a:spcPct val="20000"/>
-              </a:spcBef>
-              <a:buFont typeface="Arial" panose="020B0604020202020204" pitchFamily="34" charset="0"/>
-              <a:buChar char="•"/>
-              <a:defRPr sz="2000" kern="1200">
-                <a:solidFill>
-                  <a:schemeClr val="tx1"/>
-                </a:solidFill>
-                <a:latin typeface="+mn-lt"/>
-                <a:ea typeface="+mn-ea"/>
-                <a:cs typeface="+mn-cs"/>
-              </a:defRPr>
-            </a:lvl9pPr>
-          </a:lstStyle>
-          <a:p>
-            <a:pPr marL="0" indent="0" algn="ctr">
-              <a:lnSpc>
-                <a:spcPct val="120000"/>
-              </a:lnSpc>
-              <a:buNone/>
-            </a:pPr>
-            <a:r>
-              <a:rPr lang="en-US" sz="1200" b="1" dirty="0">
-                <a:solidFill>
-                  <a:schemeClr val="accent4">
-                    <a:lumMod val="50000"/>
-                  </a:schemeClr>
-                </a:solidFill>
-                <a:latin typeface="+mj-lt"/>
-              </a:rPr>
-              <a:t>SECTION NAME</a:t>
-            </a:r>
-            <a:br>
-              <a:rPr lang="en-US" sz="1200" b="1" dirty="0">
-                <a:solidFill>
-                  <a:schemeClr val="accent4">
-                    <a:lumMod val="50000"/>
-                  </a:schemeClr>
-                </a:solidFill>
-                <a:latin typeface="+mj-lt"/>
-              </a:rPr>
-            </a:br>
-            <a:r>
-              <a:rPr lang="en-US" sz="1000" dirty="0">
-                <a:solidFill>
-                  <a:schemeClr val="accent4">
-                    <a:lumMod val="50000"/>
-                  </a:schemeClr>
-                </a:solidFill>
-                <a:latin typeface="+mj-lt"/>
-              </a:rPr>
-              <a:t>This is a sample text. You simply add your own text here. </a:t>
-            </a:r>
             <a:endParaRPr lang="en-US" sz="1050" dirty="0">
               <a:solidFill>
                 <a:schemeClr val="accent4">
@@ -22482,105 +22204,15 @@
                                   </p:childTnLst>
                                 </p:cTn>
                               </p:par>
-                            </p:childTnLst>
-                          </p:cTn>
-                        </p:par>
-                        <p:par>
-                          <p:cTn id="114" fill="hold">
-                            <p:stCondLst>
-                              <p:cond delay="6000"/>
-                            </p:stCondLst>
-                            <p:childTnLst>
                               <p:par>
-                                <p:cTn id="115" presetID="53" presetClass="entr" presetSubtype="16" fill="hold" nodeType="afterEffect">
+                                <p:cTn id="114" presetID="53" presetClass="entr" presetSubtype="16" fill="hold" grpId="0" nodeType="withEffect">
                                   <p:stCondLst>
                                     <p:cond delay="0"/>
                                   </p:stCondLst>
                                   <p:childTnLst>
                                     <p:set>
                                       <p:cBhvr>
-                                        <p:cTn id="116" dur="1" fill="hold">
-                                          <p:stCondLst>
-                                            <p:cond delay="0"/>
-                                          </p:stCondLst>
-                                        </p:cTn>
-                                        <p:tgtEl>
-                                          <p:spTgt spid="30"/>
-                                        </p:tgtEl>
-                                        <p:attrNameLst>
-                                          <p:attrName>style.visibility</p:attrName>
-                                        </p:attrNameLst>
-                                      </p:cBhvr>
-                                      <p:to>
-                                        <p:strVal val="visible"/>
-                                      </p:to>
-                                    </p:set>
-                                    <p:anim calcmode="lin" valueType="num">
-                                      <p:cBhvr>
-                                        <p:cTn id="117" dur="500" fill="hold"/>
-                                        <p:tgtEl>
-                                          <p:spTgt spid="30"/>
-                                        </p:tgtEl>
-                                        <p:attrNameLst>
-                                          <p:attrName>ppt_w</p:attrName>
-                                        </p:attrNameLst>
-                                      </p:cBhvr>
-                                      <p:tavLst>
-                                        <p:tav tm="0">
-                                          <p:val>
-                                            <p:fltVal val="0"/>
-                                          </p:val>
-                                        </p:tav>
-                                        <p:tav tm="100000">
-                                          <p:val>
-                                            <p:strVal val="#ppt_w"/>
-                                          </p:val>
-                                        </p:tav>
-                                      </p:tavLst>
-                                    </p:anim>
-                                    <p:anim calcmode="lin" valueType="num">
-                                      <p:cBhvr>
-                                        <p:cTn id="118" dur="500" fill="hold"/>
-                                        <p:tgtEl>
-                                          <p:spTgt spid="30"/>
-                                        </p:tgtEl>
-                                        <p:attrNameLst>
-                                          <p:attrName>ppt_h</p:attrName>
-                                        </p:attrNameLst>
-                                      </p:cBhvr>
-                                      <p:tavLst>
-                                        <p:tav tm="0">
-                                          <p:val>
-                                            <p:fltVal val="0"/>
-                                          </p:val>
-                                        </p:tav>
-                                        <p:tav tm="100000">
-                                          <p:val>
-                                            <p:strVal val="#ppt_h"/>
-                                          </p:val>
-                                        </p:tav>
-                                      </p:tavLst>
-                                    </p:anim>
-                                    <p:animEffect transition="in" filter="fade">
-                                      <p:cBhvr>
-                                        <p:cTn id="119" dur="500"/>
-                                        <p:tgtEl>
-                                          <p:spTgt spid="30"/>
-                                        </p:tgtEl>
-                                      </p:cBhvr>
-                                    </p:animEffect>
-                                  </p:childTnLst>
-                                </p:cTn>
-                              </p:par>
-                              <p:par>
-                                <p:cTn id="120" presetID="53" presetClass="entr" presetSubtype="16" fill="hold" grpId="0" nodeType="withEffect">
-                                  <p:stCondLst>
-                                    <p:cond delay="0"/>
-                                  </p:stCondLst>
-                                  <p:childTnLst>
-                                    <p:set>
-                                      <p:cBhvr>
-                                        <p:cTn id="121" dur="1" fill="hold">
+                                        <p:cTn id="115" dur="1" fill="hold">
                                           <p:stCondLst>
                                             <p:cond delay="0"/>
                                           </p:stCondLst>
@@ -22598,7 +22230,7 @@
                                     </p:set>
                                     <p:anim calcmode="lin" valueType="num">
                                       <p:cBhvr>
-                                        <p:cTn id="122" dur="500" fill="hold"/>
+                                        <p:cTn id="116" dur="500" fill="hold"/>
                                         <p:tgtEl>
                                           <p:spTgt spid="60"/>
                                         </p:tgtEl>
@@ -22621,7 +22253,7 @@
                                     </p:anim>
                                     <p:anim calcmode="lin" valueType="num">
                                       <p:cBhvr>
-                                        <p:cTn id="123" dur="500" fill="hold"/>
+                                        <p:cTn id="117" dur="500" fill="hold"/>
                                         <p:tgtEl>
                                           <p:spTgt spid="60"/>
                                         </p:tgtEl>
@@ -22644,7 +22276,7 @@
                                     </p:anim>
                                     <p:animEffect transition="in" filter="fade">
                                       <p:cBhvr>
-                                        <p:cTn id="124" dur="500"/>
+                                        <p:cTn id="118" dur="500"/>
                                         <p:tgtEl>
                                           <p:spTgt spid="60"/>
                                         </p:tgtEl>
@@ -22657,20 +22289,20 @@
                           </p:cTn>
                         </p:par>
                         <p:par>
-                          <p:cTn id="125" fill="hold">
+                          <p:cTn id="119" fill="hold">
                             <p:stCondLst>
-                              <p:cond delay="6500"/>
+                              <p:cond delay="6000"/>
                             </p:stCondLst>
                             <p:childTnLst>
                               <p:par>
-                                <p:cTn id="126" presetID="22" presetClass="entr" presetSubtype="1" fill="hold" nodeType="afterEffect">
+                                <p:cTn id="120" presetID="22" presetClass="entr" presetSubtype="1" fill="hold" nodeType="afterEffect">
                                   <p:stCondLst>
                                     <p:cond delay="0"/>
                                   </p:stCondLst>
                                   <p:childTnLst>
                                     <p:set>
                                       <p:cBhvr>
-                                        <p:cTn id="127" dur="1" fill="hold">
+                                        <p:cTn id="121" dur="1" fill="hold">
                                           <p:stCondLst>
                                             <p:cond delay="0"/>
                                           </p:stCondLst>
@@ -22688,7 +22320,7 @@
                                     </p:set>
                                     <p:animEffect transition="in" filter="wipe(up)">
                                       <p:cBhvr>
-                                        <p:cTn id="128" dur="500"/>
+                                        <p:cTn id="122" dur="500"/>
                                         <p:tgtEl>
                                           <p:spTgt spid="51"/>
                                         </p:tgtEl>
@@ -22698,14 +22330,14 @@
                                 </p:cTn>
                               </p:par>
                               <p:par>
-                                <p:cTn id="129" presetID="16" presetClass="entr" presetSubtype="37" fill="hold" grpId="0" nodeType="withEffect">
+                                <p:cTn id="123" presetID="16" presetClass="entr" presetSubtype="37" fill="hold" grpId="0" nodeType="withEffect">
                                   <p:stCondLst>
                                     <p:cond delay="0"/>
                                   </p:stCondLst>
                                   <p:childTnLst>
                                     <p:set>
                                       <p:cBhvr>
-                                        <p:cTn id="130" dur="1" fill="hold">
+                                        <p:cTn id="124" dur="1" fill="hold">
                                           <p:stCondLst>
                                             <p:cond delay="0"/>
                                           </p:stCondLst>
@@ -22723,7 +22355,7 @@
                                     </p:set>
                                     <p:animEffect transition="in" filter="barn(outVertical)">
                                       <p:cBhvr>
-                                        <p:cTn id="131" dur="500"/>
+                                        <p:cTn id="125" dur="500"/>
                                         <p:tgtEl>
                                           <p:spTgt spid="67"/>
                                         </p:tgtEl>
@@ -23094,7 +22726,7 @@
         <p:spPr>
           <a:xfrm>
             <a:off x="381000" y="1431854"/>
-            <a:ext cx="8282651" cy="2325958"/>
+            <a:ext cx="8282651" cy="3159839"/>
           </a:xfrm>
           <a:prstGeom prst="rect">
             <a:avLst/>
@@ -23119,7 +22751,58 @@
                   <a:schemeClr val="bg1"/>
                 </a:solidFill>
               </a:rPr>
-              <a:t>Points to be added</a:t>
+              <a:t>Visual Studio 2022</a:t>
+            </a:r>
+          </a:p>
+          <a:p>
+            <a:pPr marL="514350" lvl="1" indent="-171450">
+              <a:lnSpc>
+                <a:spcPct val="150000"/>
+              </a:lnSpc>
+              <a:buFont typeface="Wingdings" panose="05000000000000000000" pitchFamily="2" charset="2"/>
+              <a:buChar char="q"/>
+            </a:pPr>
+            <a:r>
+              <a:rPr lang="en-US" sz="1200" dirty="0">
+                <a:solidFill>
+                  <a:schemeClr val="bg1"/>
+                </a:solidFill>
+              </a:rPr>
+              <a:t>Community to Enterprise</a:t>
+            </a:r>
+          </a:p>
+          <a:p>
+            <a:pPr marL="514350" lvl="1" indent="-171450">
+              <a:lnSpc>
+                <a:spcPct val="150000"/>
+              </a:lnSpc>
+              <a:buFont typeface="Wingdings" panose="05000000000000000000" pitchFamily="2" charset="2"/>
+              <a:buChar char="q"/>
+            </a:pPr>
+            <a:r>
+              <a:rPr lang="en-US" sz="1200" dirty="0">
+                <a:solidFill>
+                  <a:schemeClr val="bg1"/>
+                </a:solidFill>
+              </a:rPr>
+              <a:t>Version 17.1.4</a:t>
+            </a:r>
+          </a:p>
+          <a:p>
+            <a:pPr marL="171450" indent="-171450">
+              <a:lnSpc>
+                <a:spcPct val="150000"/>
+              </a:lnSpc>
+              <a:buFont typeface="Wingdings" panose="05000000000000000000" pitchFamily="2" charset="2"/>
+              <a:buChar char="q"/>
+            </a:pPr>
+            <a:r>
+              <a:rPr lang="en-US" sz="1200" dirty="0">
+                <a:solidFill>
+                  <a:schemeClr val="bg1"/>
+                </a:solidFill>
+              </a:rPr>
+              <a:t>SQL Server 2008 Dev. Edition</a:t>
             </a:r>
           </a:p>
           <a:p>
@@ -23356,582 +23039,6 @@
 </file>
 
 <file path=ppt/slides/slide5.xml><?xml version="1.0" encoding="utf-8"?>
-<p:sld xmlns:a="http://schemas.openxmlformats.org/drawingml/2006/main" xmlns:r="http://schemas.openxmlformats.org/officeDocument/2006/relationships" xmlns:p="http://schemas.openxmlformats.org/presentationml/2006/main">
-  <p:cSld>
-    <p:spTree>
-      <p:nvGrpSpPr>
-        <p:cNvPr id="1" name=""/>
-        <p:cNvGrpSpPr/>
-        <p:nvPr/>
-      </p:nvGrpSpPr>
-      <p:grpSpPr>
-        <a:xfrm>
-          <a:off x="0" y="0"/>
-          <a:ext cx="0" cy="0"/>
-          <a:chOff x="0" y="0"/>
-          <a:chExt cx="0" cy="0"/>
-        </a:xfrm>
-      </p:grpSpPr>
-      <p:pic>
-        <p:nvPicPr>
-          <p:cNvPr id="8" name="Picture Placeholder 7" descr="A picture containing text, vector graphics&#10;&#10;Description automatically generated">
-            <a:extLst>
-              <a:ext uri="{FF2B5EF4-FFF2-40B4-BE49-F238E27FC236}">
-                <a16:creationId xmlns:a16="http://schemas.microsoft.com/office/drawing/2014/main" id="{B5415D02-8345-44C7-9124-8258C05B0189}"/>
-              </a:ext>
-            </a:extLst>
-          </p:cNvPr>
-          <p:cNvPicPr>
-            <a:picLocks noGrp="1" noChangeAspect="1"/>
-          </p:cNvPicPr>
-          <p:nvPr>
-            <p:ph type="pic" sz="quarter" idx="10"/>
-          </p:nvPr>
-        </p:nvPicPr>
-        <p:blipFill>
-          <a:blip r:embed="rId2" cstate="print">
-            <a:alphaModFix amt="85000"/>
-            <a:extLst>
-              <a:ext uri="{28A0092B-C50C-407E-A947-70E740481C1C}">
-                <a14:useLocalDpi xmlns:a14="http://schemas.microsoft.com/office/drawing/2010/main" val="0"/>
-              </a:ext>
-            </a:extLst>
-          </a:blip>
-          <a:srcRect t="17832" b="17832"/>
-          <a:stretch>
-            <a:fillRect/>
-          </a:stretch>
-        </p:blipFill>
-        <p:spPr>
-          <a:xfrm>
-            <a:off x="0" y="1087438"/>
-            <a:ext cx="9144000" cy="3463925"/>
-          </a:xfrm>
-        </p:spPr>
-      </p:pic>
-      <p:sp>
-        <p:nvSpPr>
-          <p:cNvPr id="2" name="Title 1"/>
-          <p:cNvSpPr>
-            <a:spLocks noGrp="1"/>
-          </p:cNvSpPr>
-          <p:nvPr>
-            <p:ph type="title"/>
-          </p:nvPr>
-        </p:nvSpPr>
-        <p:spPr/>
-        <p:txBody>
-          <a:bodyPr/>
-          <a:lstStyle/>
-          <a:p>
-            <a:r>
-              <a:rPr lang="en-US" dirty="0"/>
-              <a:t>Additional Information</a:t>
-            </a:r>
-          </a:p>
-        </p:txBody>
-      </p:sp>
-      <p:sp>
-        <p:nvSpPr>
-          <p:cNvPr id="6" name="Freeform 5"/>
-          <p:cNvSpPr>
-            <a:spLocks/>
-          </p:cNvSpPr>
-          <p:nvPr/>
-        </p:nvSpPr>
-        <p:spPr bwMode="auto">
-          <a:xfrm>
-            <a:off x="-6819" y="1087438"/>
-            <a:ext cx="9144000" cy="3464559"/>
-          </a:xfrm>
-          <a:custGeom>
-            <a:avLst/>
-            <a:gdLst>
-              <a:gd name="connsiteX0" fmla="*/ 0 w 8007350"/>
-              <a:gd name="connsiteY0" fmla="*/ 0 h 4124325"/>
-              <a:gd name="connsiteX1" fmla="*/ 6793381 w 8007350"/>
-              <a:gd name="connsiteY1" fmla="*/ 0 h 4124325"/>
-              <a:gd name="connsiteX2" fmla="*/ 6804851 w 8007350"/>
-              <a:gd name="connsiteY2" fmla="*/ 0 h 4124325"/>
-              <a:gd name="connsiteX3" fmla="*/ 6868264 w 8007350"/>
-              <a:gd name="connsiteY3" fmla="*/ 0 h 4124325"/>
-              <a:gd name="connsiteX4" fmla="*/ 6897737 w 8007350"/>
-              <a:gd name="connsiteY4" fmla="*/ 0 h 4124325"/>
-              <a:gd name="connsiteX5" fmla="*/ 6955163 w 8007350"/>
-              <a:gd name="connsiteY5" fmla="*/ 0 h 4124325"/>
-              <a:gd name="connsiteX6" fmla="*/ 6961035 w 8007350"/>
-              <a:gd name="connsiteY6" fmla="*/ 0 h 4124325"/>
-              <a:gd name="connsiteX7" fmla="*/ 6993539 w 8007350"/>
-              <a:gd name="connsiteY7" fmla="*/ 0 h 4124325"/>
-              <a:gd name="connsiteX8" fmla="*/ 7005514 w 8007350"/>
-              <a:gd name="connsiteY8" fmla="*/ 0 h 4124325"/>
-              <a:gd name="connsiteX9" fmla="*/ 7007225 w 8007350"/>
-              <a:gd name="connsiteY9" fmla="*/ 0 h 4124325"/>
-              <a:gd name="connsiteX10" fmla="*/ 7018870 w 8007350"/>
-              <a:gd name="connsiteY10" fmla="*/ 0 h 4124325"/>
-              <a:gd name="connsiteX11" fmla="*/ 8007350 w 8007350"/>
-              <a:gd name="connsiteY11" fmla="*/ 0 h 4124325"/>
-              <a:gd name="connsiteX12" fmla="*/ 6635750 w 8007350"/>
-              <a:gd name="connsiteY12" fmla="*/ 3576638 h 4124325"/>
-              <a:gd name="connsiteX13" fmla="*/ 6635791 w 8007350"/>
-              <a:gd name="connsiteY13" fmla="*/ 3575765 h 4124325"/>
-              <a:gd name="connsiteX14" fmla="*/ 6635924 w 8007350"/>
-              <a:gd name="connsiteY14" fmla="*/ 3572967 h 4124325"/>
-              <a:gd name="connsiteX15" fmla="*/ 6550497 w 8007350"/>
-              <a:gd name="connsiteY15" fmla="*/ 3667059 h 4124325"/>
-              <a:gd name="connsiteX16" fmla="*/ 5448812 w 8007350"/>
-              <a:gd name="connsiteY16" fmla="*/ 4124325 h 4124325"/>
-              <a:gd name="connsiteX17" fmla="*/ 0 w 8007350"/>
-              <a:gd name="connsiteY17" fmla="*/ 4124325 h 4124325"/>
-              <a:gd name="connsiteX18" fmla="*/ 0 w 8007350"/>
-              <a:gd name="connsiteY18" fmla="*/ 0 h 4124325"/>
-            </a:gdLst>
-            <a:ahLst/>
-            <a:cxnLst>
-              <a:cxn ang="0">
-                <a:pos x="connsiteX0" y="connsiteY0"/>
-              </a:cxn>
-              <a:cxn ang="0">
-                <a:pos x="connsiteX1" y="connsiteY1"/>
-              </a:cxn>
-              <a:cxn ang="0">
-                <a:pos x="connsiteX2" y="connsiteY2"/>
-              </a:cxn>
-              <a:cxn ang="0">
-                <a:pos x="connsiteX3" y="connsiteY3"/>
-              </a:cxn>
-              <a:cxn ang="0">
-                <a:pos x="connsiteX4" y="connsiteY4"/>
-              </a:cxn>
-              <a:cxn ang="0">
-                <a:pos x="connsiteX5" y="connsiteY5"/>
-              </a:cxn>
-              <a:cxn ang="0">
-                <a:pos x="connsiteX6" y="connsiteY6"/>
-              </a:cxn>
-              <a:cxn ang="0">
-                <a:pos x="connsiteX7" y="connsiteY7"/>
-              </a:cxn>
-              <a:cxn ang="0">
-                <a:pos x="connsiteX8" y="connsiteY8"/>
-              </a:cxn>
-              <a:cxn ang="0">
-                <a:pos x="connsiteX9" y="connsiteY9"/>
-              </a:cxn>
-              <a:cxn ang="0">
-                <a:pos x="connsiteX10" y="connsiteY10"/>
-              </a:cxn>
-              <a:cxn ang="0">
-                <a:pos x="connsiteX11" y="connsiteY11"/>
-              </a:cxn>
-              <a:cxn ang="0">
-                <a:pos x="connsiteX12" y="connsiteY12"/>
-              </a:cxn>
-              <a:cxn ang="0">
-                <a:pos x="connsiteX13" y="connsiteY13"/>
-              </a:cxn>
-              <a:cxn ang="0">
-                <a:pos x="connsiteX14" y="connsiteY14"/>
-              </a:cxn>
-              <a:cxn ang="0">
-                <a:pos x="connsiteX15" y="connsiteY15"/>
-              </a:cxn>
-              <a:cxn ang="0">
-                <a:pos x="connsiteX16" y="connsiteY16"/>
-              </a:cxn>
-              <a:cxn ang="0">
-                <a:pos x="connsiteX17" y="connsiteY17"/>
-              </a:cxn>
-              <a:cxn ang="0">
-                <a:pos x="connsiteX18" y="connsiteY18"/>
-              </a:cxn>
-            </a:cxnLst>
-            <a:rect l="l" t="t" r="r" b="b"/>
-            <a:pathLst>
-              <a:path w="8007350" h="4124325">
-                <a:moveTo>
-                  <a:pt x="0" y="0"/>
-                </a:moveTo>
-                <a:cubicBezTo>
-                  <a:pt x="4817467" y="0"/>
-                  <a:pt x="6322926" y="0"/>
-                  <a:pt x="6793381" y="0"/>
-                </a:cubicBezTo>
-                <a:lnTo>
-                  <a:pt x="6804851" y="0"/>
-                </a:lnTo>
-                <a:cubicBezTo>
-                  <a:pt x="6804851" y="0"/>
-                  <a:pt x="6804851" y="0"/>
-                  <a:pt x="6868264" y="0"/>
-                </a:cubicBezTo>
-                <a:lnTo>
-                  <a:pt x="6897737" y="0"/>
-                </a:lnTo>
-                <a:lnTo>
-                  <a:pt x="6955163" y="0"/>
-                </a:lnTo>
-                <a:lnTo>
-                  <a:pt x="6961035" y="0"/>
-                </a:lnTo>
-                <a:lnTo>
-                  <a:pt x="6993539" y="0"/>
-                </a:lnTo>
-                <a:lnTo>
-                  <a:pt x="7005514" y="0"/>
-                </a:lnTo>
-                <a:lnTo>
-                  <a:pt x="7007225" y="0"/>
-                </a:lnTo>
-                <a:lnTo>
-                  <a:pt x="7018870" y="0"/>
-                </a:lnTo>
-                <a:cubicBezTo>
-                  <a:pt x="7185329" y="0"/>
-                  <a:pt x="7481257" y="0"/>
-                  <a:pt x="8007350" y="0"/>
-                </a:cubicBezTo>
-                <a:cubicBezTo>
-                  <a:pt x="7548897" y="1173408"/>
-                  <a:pt x="7236999" y="3008739"/>
-                  <a:pt x="6635750" y="3576638"/>
-                </a:cubicBezTo>
-                <a:cubicBezTo>
-                  <a:pt x="6635750" y="3576638"/>
-                  <a:pt x="6635750" y="3576638"/>
-                  <a:pt x="6635791" y="3575765"/>
-                </a:cubicBezTo>
-                <a:lnTo>
-                  <a:pt x="6635924" y="3572967"/>
-                </a:lnTo>
-                <a:lnTo>
-                  <a:pt x="6550497" y="3667059"/>
-                </a:lnTo>
-                <a:cubicBezTo>
-                  <a:pt x="6268387" y="3949502"/>
-                  <a:pt x="5878784" y="4124325"/>
-                  <a:pt x="5448812" y="4124325"/>
-                </a:cubicBezTo>
-                <a:cubicBezTo>
-                  <a:pt x="0" y="4124325"/>
-                  <a:pt x="0" y="4124325"/>
-                  <a:pt x="0" y="4124325"/>
-                </a:cubicBezTo>
-                <a:cubicBezTo>
-                  <a:pt x="0" y="0"/>
-                  <a:pt x="0" y="0"/>
-                  <a:pt x="0" y="0"/>
-                </a:cubicBezTo>
-                <a:close/>
-              </a:path>
-            </a:pathLst>
-          </a:custGeom>
-          <a:solidFill>
-            <a:schemeClr val="accent6">
-              <a:lumMod val="50000"/>
-              <a:alpha val="80000"/>
-            </a:schemeClr>
-          </a:solidFill>
-          <a:ln>
-            <a:noFill/>
-          </a:ln>
-        </p:spPr>
-        <p:style>
-          <a:lnRef idx="2">
-            <a:schemeClr val="accent1">
-              <a:shade val="50000"/>
-            </a:schemeClr>
-          </a:lnRef>
-          <a:fillRef idx="1">
-            <a:schemeClr val="accent1"/>
-          </a:fillRef>
-          <a:effectRef idx="0">
-            <a:schemeClr val="accent1"/>
-          </a:effectRef>
-          <a:fontRef idx="minor">
-            <a:schemeClr val="lt1"/>
-          </a:fontRef>
-        </p:style>
-        <p:txBody>
-          <a:bodyPr rtlCol="0" anchor="ctr"/>
-          <a:lstStyle/>
-          <a:p>
-            <a:pPr algn="ctr"/>
-            <a:endParaRPr lang="en-US" sz="1013" dirty="0"/>
-          </a:p>
-        </p:txBody>
-      </p:sp>
-      <p:sp>
-        <p:nvSpPr>
-          <p:cNvPr id="16" name="Rectangle 15"/>
-          <p:cNvSpPr/>
-          <p:nvPr/>
-        </p:nvSpPr>
-        <p:spPr>
-          <a:xfrm>
-            <a:off x="381000" y="1431854"/>
-            <a:ext cx="8190053" cy="2325958"/>
-          </a:xfrm>
-          <a:prstGeom prst="rect">
-            <a:avLst/>
-          </a:prstGeom>
-        </p:spPr>
-        <p:txBody>
-          <a:bodyPr wrap="square" lIns="0" tIns="0" rIns="0" bIns="0" anchor="t">
-            <a:spAutoFit/>
-          </a:bodyPr>
-          <a:lstStyle/>
-          <a:p>
-            <a:pPr marL="171450" indent="-171450">
-              <a:lnSpc>
-                <a:spcPct val="150000"/>
-              </a:lnSpc>
-              <a:buFont typeface="Wingdings" panose="05000000000000000000" pitchFamily="2" charset="2"/>
-              <a:buChar char="q"/>
-            </a:pPr>
-            <a:r>
-              <a:rPr lang="en-US" sz="1200" dirty="0">
-                <a:solidFill>
-                  <a:schemeClr val="bg1"/>
-                </a:solidFill>
-              </a:rPr>
-              <a:t>Points to be added</a:t>
-            </a:r>
-          </a:p>
-          <a:p>
-            <a:pPr marL="171450" indent="-171450">
-              <a:lnSpc>
-                <a:spcPct val="150000"/>
-              </a:lnSpc>
-              <a:buFont typeface="Wingdings" panose="05000000000000000000" pitchFamily="2" charset="2"/>
-              <a:buChar char="q"/>
-            </a:pPr>
-            <a:endParaRPr lang="en-US" sz="1000" dirty="0">
-              <a:solidFill>
-                <a:schemeClr val="bg1"/>
-              </a:solidFill>
-            </a:endParaRPr>
-          </a:p>
-          <a:p>
-            <a:pPr marL="171450" indent="-171450">
-              <a:lnSpc>
-                <a:spcPct val="150000"/>
-              </a:lnSpc>
-              <a:buFont typeface="Wingdings" panose="05000000000000000000" pitchFamily="2" charset="2"/>
-              <a:buChar char="q"/>
-            </a:pPr>
-            <a:endParaRPr lang="en-US" sz="1000" dirty="0">
-              <a:solidFill>
-                <a:schemeClr val="bg1"/>
-              </a:solidFill>
-            </a:endParaRPr>
-          </a:p>
-          <a:p>
-            <a:pPr marL="171450" indent="-171450">
-              <a:lnSpc>
-                <a:spcPct val="150000"/>
-              </a:lnSpc>
-              <a:buFont typeface="Wingdings" panose="05000000000000000000" pitchFamily="2" charset="2"/>
-              <a:buChar char="q"/>
-            </a:pPr>
-            <a:endParaRPr lang="en-US" sz="1000" dirty="0">
-              <a:solidFill>
-                <a:schemeClr val="bg1"/>
-              </a:solidFill>
-            </a:endParaRPr>
-          </a:p>
-          <a:p>
-            <a:pPr marL="171450" indent="-171450">
-              <a:lnSpc>
-                <a:spcPct val="150000"/>
-              </a:lnSpc>
-              <a:buFont typeface="Wingdings" panose="05000000000000000000" pitchFamily="2" charset="2"/>
-              <a:buChar char="q"/>
-            </a:pPr>
-            <a:endParaRPr lang="en-US" sz="1000" dirty="0">
-              <a:solidFill>
-                <a:schemeClr val="bg1"/>
-              </a:solidFill>
-            </a:endParaRPr>
-          </a:p>
-          <a:p>
-            <a:pPr marL="171450" indent="-171450">
-              <a:lnSpc>
-                <a:spcPct val="150000"/>
-              </a:lnSpc>
-              <a:buFont typeface="Wingdings" panose="05000000000000000000" pitchFamily="2" charset="2"/>
-              <a:buChar char="q"/>
-            </a:pPr>
-            <a:endParaRPr lang="en-US" sz="1000" dirty="0">
-              <a:solidFill>
-                <a:schemeClr val="bg1"/>
-              </a:solidFill>
-            </a:endParaRPr>
-          </a:p>
-          <a:p>
-            <a:pPr marL="171450" indent="-171450">
-              <a:lnSpc>
-                <a:spcPct val="150000"/>
-              </a:lnSpc>
-              <a:buFont typeface="Wingdings" panose="05000000000000000000" pitchFamily="2" charset="2"/>
-              <a:buChar char="q"/>
-            </a:pPr>
-            <a:endParaRPr lang="en-US" sz="1000" dirty="0">
-              <a:solidFill>
-                <a:schemeClr val="bg1"/>
-              </a:solidFill>
-            </a:endParaRPr>
-          </a:p>
-          <a:p>
-            <a:pPr marL="171450" indent="-171450">
-              <a:lnSpc>
-                <a:spcPct val="150000"/>
-              </a:lnSpc>
-              <a:buFont typeface="Wingdings" panose="05000000000000000000" pitchFamily="2" charset="2"/>
-              <a:buChar char="q"/>
-            </a:pPr>
-            <a:endParaRPr lang="en-US" sz="1000" dirty="0">
-              <a:solidFill>
-                <a:schemeClr val="bg1"/>
-              </a:solidFill>
-            </a:endParaRPr>
-          </a:p>
-          <a:p>
-            <a:pPr marL="171450" indent="-171450">
-              <a:lnSpc>
-                <a:spcPct val="150000"/>
-              </a:lnSpc>
-              <a:buFont typeface="Wingdings" panose="05000000000000000000" pitchFamily="2" charset="2"/>
-              <a:buChar char="q"/>
-            </a:pPr>
-            <a:endParaRPr lang="en-US" sz="1000" dirty="0">
-              <a:solidFill>
-                <a:schemeClr val="bg1"/>
-              </a:solidFill>
-            </a:endParaRPr>
-          </a:p>
-          <a:p>
-            <a:pPr marL="171450" indent="-171450">
-              <a:lnSpc>
-                <a:spcPct val="150000"/>
-              </a:lnSpc>
-              <a:buFont typeface="Wingdings" panose="05000000000000000000" pitchFamily="2" charset="2"/>
-              <a:buChar char="q"/>
-            </a:pPr>
-            <a:endParaRPr lang="en-US" sz="1000" dirty="0">
-              <a:solidFill>
-                <a:schemeClr val="bg1"/>
-              </a:solidFill>
-            </a:endParaRPr>
-          </a:p>
-        </p:txBody>
-      </p:sp>
-    </p:spTree>
-    <p:extLst>
-      <p:ext uri="{BB962C8B-B14F-4D97-AF65-F5344CB8AC3E}">
-        <p14:creationId xmlns:p14="http://schemas.microsoft.com/office/powerpoint/2010/main" val="4173936353"/>
-      </p:ext>
-    </p:extLst>
-  </p:cSld>
-  <p:clrMapOvr>
-    <a:masterClrMapping/>
-  </p:clrMapOvr>
-  <p:transition spd="slow">
-    <p:push dir="u"/>
-  </p:transition>
-  <p:timing>
-    <p:tnLst>
-      <p:par>
-        <p:cTn id="1" dur="indefinite" restart="never" nodeType="tmRoot">
-          <p:childTnLst>
-            <p:seq concurrent="1" nextAc="seek">
-              <p:cTn id="2" dur="indefinite" nodeType="mainSeq">
-                <p:childTnLst>
-                  <p:par>
-                    <p:cTn id="3" fill="hold">
-                      <p:stCondLst>
-                        <p:cond delay="indefinite"/>
-                        <p:cond evt="onBegin" delay="0">
-                          <p:tn val="2"/>
-                        </p:cond>
-                      </p:stCondLst>
-                      <p:childTnLst>
-                        <p:par>
-                          <p:cTn id="4" fill="hold">
-                            <p:stCondLst>
-                              <p:cond delay="0"/>
-                            </p:stCondLst>
-                            <p:childTnLst>
-                              <p:par>
-                                <p:cTn id="5" presetID="22" presetClass="entr" presetSubtype="8" fill="hold" grpId="0" nodeType="afterEffect">
-                                  <p:stCondLst>
-                                    <p:cond delay="0"/>
-                                  </p:stCondLst>
-                                  <p:childTnLst>
-                                    <p:set>
-                                      <p:cBhvr>
-                                        <p:cTn id="6" dur="1" fill="hold">
-                                          <p:stCondLst>
-                                            <p:cond delay="0"/>
-                                          </p:stCondLst>
-                                        </p:cTn>
-                                        <p:tgtEl>
-                                          <p:spTgt spid="16"/>
-                                        </p:tgtEl>
-                                        <p:attrNameLst>
-                                          <p:attrName>style.visibility</p:attrName>
-                                        </p:attrNameLst>
-                                      </p:cBhvr>
-                                      <p:to>
-                                        <p:strVal val="visible"/>
-                                      </p:to>
-                                    </p:set>
-                                    <p:animEffect transition="in" filter="wipe(left)">
-                                      <p:cBhvr>
-                                        <p:cTn id="7" dur="500"/>
-                                        <p:tgtEl>
-                                          <p:spTgt spid="16"/>
-                                        </p:tgtEl>
-                                      </p:cBhvr>
-                                    </p:animEffect>
-                                  </p:childTnLst>
-                                </p:cTn>
-                              </p:par>
-                            </p:childTnLst>
-                          </p:cTn>
-                        </p:par>
-                      </p:childTnLst>
-                    </p:cTn>
-                  </p:par>
-                </p:childTnLst>
-              </p:cTn>
-              <p:prevCondLst>
-                <p:cond evt="onPrev" delay="0">
-                  <p:tgtEl>
-                    <p:sldTgt/>
-                  </p:tgtEl>
-                </p:cond>
-              </p:prevCondLst>
-              <p:nextCondLst>
-                <p:cond evt="onNext" delay="0">
-                  <p:tgtEl>
-                    <p:sldTgt/>
-                  </p:tgtEl>
-                </p:cond>
-              </p:nextCondLst>
-            </p:seq>
-          </p:childTnLst>
-        </p:cTn>
-      </p:par>
-    </p:tnLst>
-    <p:bldLst>
-      <p:bldP spid="16" grpId="0"/>
-    </p:bldLst>
-  </p:timing>
-</p:sld>
-</file>
-
-<file path=ppt/slides/slide6.xml><?xml version="1.0" encoding="utf-8"?>
 <p:sld xmlns:a="http://schemas.openxmlformats.org/drawingml/2006/main" xmlns:r="http://schemas.openxmlformats.org/officeDocument/2006/relationships" xmlns:p="http://schemas.openxmlformats.org/presentationml/2006/main">
   <p:cSld>
     <p:bg>
